--- a/README/Microsoft PowerPoint-Präsentation (neu).pptx
+++ b/README/Microsoft PowerPoint-Präsentation (neu).pptx
@@ -10,6 +10,8 @@
     <p:sldId id="258" r:id="rId4"/>
     <p:sldId id="259" r:id="rId5"/>
     <p:sldId id="260" r:id="rId6"/>
+    <p:sldId id="261" r:id="rId7"/>
+    <p:sldId id="262" r:id="rId8"/>
   </p:sldIdLst>
   <p:sldSz cx="12192000" cy="6858000"/>
   <p:notesSz cx="6858000" cy="9144000"/>
@@ -108,6 +110,11 @@
       </a:defRPr>
     </a:lvl9pPr>
   </p:defaultTextStyle>
+  <p:extLst>
+    <p:ext uri="{EFAFB233-063F-42B5-8137-9DF3F51BA10A}">
+      <p15:sldGuideLst xmlns:p15="http://schemas.microsoft.com/office/powerpoint/2012/main"/>
+    </p:ext>
+  </p:extLst>
 </p:presentation>
 </file>
 
@@ -258,7 +265,7 @@
           <a:p>
             <a:fld id="{287E5403-9B1B-4B9B-A720-E1B96EB166CD}" type="datetimeFigureOut">
               <a:rPr lang="de-DE" smtClean="0"/>
-              <a:t>05.09.2023</a:t>
+              <a:t>27.09.2023</a:t>
             </a:fld>
             <a:endParaRPr lang="de-DE"/>
           </a:p>
@@ -456,7 +463,7 @@
           <a:p>
             <a:fld id="{287E5403-9B1B-4B9B-A720-E1B96EB166CD}" type="datetimeFigureOut">
               <a:rPr lang="de-DE" smtClean="0"/>
-              <a:t>05.09.2023</a:t>
+              <a:t>27.09.2023</a:t>
             </a:fld>
             <a:endParaRPr lang="de-DE"/>
           </a:p>
@@ -664,7 +671,7 @@
           <a:p>
             <a:fld id="{287E5403-9B1B-4B9B-A720-E1B96EB166CD}" type="datetimeFigureOut">
               <a:rPr lang="de-DE" smtClean="0"/>
-              <a:t>05.09.2023</a:t>
+              <a:t>27.09.2023</a:t>
             </a:fld>
             <a:endParaRPr lang="de-DE"/>
           </a:p>
@@ -862,7 +869,7 @@
           <a:p>
             <a:fld id="{287E5403-9B1B-4B9B-A720-E1B96EB166CD}" type="datetimeFigureOut">
               <a:rPr lang="de-DE" smtClean="0"/>
-              <a:t>05.09.2023</a:t>
+              <a:t>27.09.2023</a:t>
             </a:fld>
             <a:endParaRPr lang="de-DE"/>
           </a:p>
@@ -1137,7 +1144,7 @@
           <a:p>
             <a:fld id="{287E5403-9B1B-4B9B-A720-E1B96EB166CD}" type="datetimeFigureOut">
               <a:rPr lang="de-DE" smtClean="0"/>
-              <a:t>05.09.2023</a:t>
+              <a:t>27.09.2023</a:t>
             </a:fld>
             <a:endParaRPr lang="de-DE"/>
           </a:p>
@@ -1402,7 +1409,7 @@
           <a:p>
             <a:fld id="{287E5403-9B1B-4B9B-A720-E1B96EB166CD}" type="datetimeFigureOut">
               <a:rPr lang="de-DE" smtClean="0"/>
-              <a:t>05.09.2023</a:t>
+              <a:t>27.09.2023</a:t>
             </a:fld>
             <a:endParaRPr lang="de-DE"/>
           </a:p>
@@ -1814,7 +1821,7 @@
           <a:p>
             <a:fld id="{287E5403-9B1B-4B9B-A720-E1B96EB166CD}" type="datetimeFigureOut">
               <a:rPr lang="de-DE" smtClean="0"/>
-              <a:t>05.09.2023</a:t>
+              <a:t>27.09.2023</a:t>
             </a:fld>
             <a:endParaRPr lang="de-DE"/>
           </a:p>
@@ -1955,7 +1962,7 @@
           <a:p>
             <a:fld id="{287E5403-9B1B-4B9B-A720-E1B96EB166CD}" type="datetimeFigureOut">
               <a:rPr lang="de-DE" smtClean="0"/>
-              <a:t>05.09.2023</a:t>
+              <a:t>27.09.2023</a:t>
             </a:fld>
             <a:endParaRPr lang="de-DE"/>
           </a:p>
@@ -2068,7 +2075,7 @@
           <a:p>
             <a:fld id="{287E5403-9B1B-4B9B-A720-E1B96EB166CD}" type="datetimeFigureOut">
               <a:rPr lang="de-DE" smtClean="0"/>
-              <a:t>05.09.2023</a:t>
+              <a:t>27.09.2023</a:t>
             </a:fld>
             <a:endParaRPr lang="de-DE"/>
           </a:p>
@@ -2379,7 +2386,7 @@
           <a:p>
             <a:fld id="{287E5403-9B1B-4B9B-A720-E1B96EB166CD}" type="datetimeFigureOut">
               <a:rPr lang="de-DE" smtClean="0"/>
-              <a:t>05.09.2023</a:t>
+              <a:t>27.09.2023</a:t>
             </a:fld>
             <a:endParaRPr lang="de-DE"/>
           </a:p>
@@ -2667,7 +2674,7 @@
           <a:p>
             <a:fld id="{287E5403-9B1B-4B9B-A720-E1B96EB166CD}" type="datetimeFigureOut">
               <a:rPr lang="de-DE" smtClean="0"/>
-              <a:t>05.09.2023</a:t>
+              <a:t>27.09.2023</a:t>
             </a:fld>
             <a:endParaRPr lang="de-DE"/>
           </a:p>
@@ -2908,7 +2915,7 @@
           <a:p>
             <a:fld id="{287E5403-9B1B-4B9B-A720-E1B96EB166CD}" type="datetimeFigureOut">
               <a:rPr lang="de-DE" smtClean="0"/>
-              <a:t>05.09.2023</a:t>
+              <a:t>27.09.2023</a:t>
             </a:fld>
             <a:endParaRPr lang="de-DE"/>
           </a:p>
@@ -5017,6 +5024,495 @@
 </p:sld>
 </file>
 
+<file path=ppt/slides/slide6.xml><?xml version="1.0" encoding="utf-8"?>
+<p:sld xmlns:a="http://schemas.openxmlformats.org/drawingml/2006/main" xmlns:r="http://schemas.openxmlformats.org/officeDocument/2006/relationships" xmlns:p="http://schemas.openxmlformats.org/presentationml/2006/main">
+  <p:cSld>
+    <p:spTree>
+      <p:nvGrpSpPr>
+        <p:cNvPr id="1" name=""/>
+        <p:cNvGrpSpPr/>
+        <p:nvPr/>
+      </p:nvGrpSpPr>
+      <p:grpSpPr>
+        <a:xfrm>
+          <a:off x="0" y="0"/>
+          <a:ext cx="0" cy="0"/>
+          <a:chOff x="0" y="0"/>
+          <a:chExt cx="0" cy="0"/>
+        </a:xfrm>
+      </p:grpSpPr>
+      <p:pic>
+        <p:nvPicPr>
+          <p:cNvPr id="5" name="Grafik 4" descr="Ein Bild, das Text, Elektronik, Screenshot, Display enthält.&#10;&#10;Automatisch generierte Beschreibung">
+            <a:extLst>
+              <a:ext uri="{FF2B5EF4-FFF2-40B4-BE49-F238E27FC236}">
+                <a16:creationId xmlns:a16="http://schemas.microsoft.com/office/drawing/2014/main" id="{CD119514-ADB1-8B3B-438D-158CE0FBF75D}"/>
+              </a:ext>
+            </a:extLst>
+          </p:cNvPr>
+          <p:cNvPicPr>
+            <a:picLocks noChangeAspect="1"/>
+          </p:cNvPicPr>
+          <p:nvPr/>
+        </p:nvPicPr>
+        <p:blipFill>
+          <a:blip r:embed="rId2">
+            <a:extLst>
+              <a:ext uri="{28A0092B-C50C-407E-A947-70E740481C1C}">
+                <a14:useLocalDpi xmlns:a14="http://schemas.microsoft.com/office/drawing/2010/main" val="0"/>
+              </a:ext>
+            </a:extLst>
+          </a:blip>
+          <a:stretch>
+            <a:fillRect/>
+          </a:stretch>
+        </p:blipFill>
+        <p:spPr>
+          <a:xfrm>
+            <a:off x="3114259" y="1414181"/>
+            <a:ext cx="5963482" cy="4029637"/>
+          </a:xfrm>
+          <a:prstGeom prst="rect">
+            <a:avLst/>
+          </a:prstGeom>
+        </p:spPr>
+      </p:pic>
+      <p:sp>
+        <p:nvSpPr>
+          <p:cNvPr id="6" name="Ellipse 5">
+            <a:extLst>
+              <a:ext uri="{FF2B5EF4-FFF2-40B4-BE49-F238E27FC236}">
+                <a16:creationId xmlns:a16="http://schemas.microsoft.com/office/drawing/2014/main" id="{A89B996D-05B0-3A73-224F-FCED7A2C592B}"/>
+              </a:ext>
+            </a:extLst>
+          </p:cNvPr>
+          <p:cNvSpPr/>
+          <p:nvPr/>
+        </p:nvSpPr>
+        <p:spPr>
+          <a:xfrm>
+            <a:off x="5461060" y="2630757"/>
+            <a:ext cx="288000" cy="288000"/>
+          </a:xfrm>
+          <a:prstGeom prst="ellipse">
+            <a:avLst/>
+          </a:prstGeom>
+          <a:solidFill>
+            <a:schemeClr val="bg1"/>
+          </a:solidFill>
+          <a:ln w="19050">
+            <a:solidFill>
+              <a:srgbClr val="C00000"/>
+            </a:solidFill>
+          </a:ln>
+        </p:spPr>
+        <p:style>
+          <a:lnRef idx="2">
+            <a:schemeClr val="accent1">
+              <a:shade val="50000"/>
+            </a:schemeClr>
+          </a:lnRef>
+          <a:fillRef idx="1">
+            <a:schemeClr val="accent1"/>
+          </a:fillRef>
+          <a:effectRef idx="0">
+            <a:schemeClr val="accent1"/>
+          </a:effectRef>
+          <a:fontRef idx="minor">
+            <a:schemeClr val="lt1"/>
+          </a:fontRef>
+        </p:style>
+        <p:txBody>
+          <a:bodyPr rtlCol="0" anchor="ctr"/>
+          <a:lstStyle/>
+          <a:p>
+            <a:pPr algn="ctr"/>
+            <a:r>
+              <a:rPr lang="de-DE" dirty="0">
+                <a:solidFill>
+                  <a:srgbClr val="C00000"/>
+                </a:solidFill>
+              </a:rPr>
+              <a:t>1</a:t>
+            </a:r>
+          </a:p>
+        </p:txBody>
+      </p:sp>
+      <p:sp>
+        <p:nvSpPr>
+          <p:cNvPr id="7" name="Ellipse 6">
+            <a:extLst>
+              <a:ext uri="{FF2B5EF4-FFF2-40B4-BE49-F238E27FC236}">
+                <a16:creationId xmlns:a16="http://schemas.microsoft.com/office/drawing/2014/main" id="{7EE99420-4AD1-D3DC-B93E-7A01D09CEABF}"/>
+              </a:ext>
+            </a:extLst>
+          </p:cNvPr>
+          <p:cNvSpPr/>
+          <p:nvPr/>
+        </p:nvSpPr>
+        <p:spPr>
+          <a:xfrm>
+            <a:off x="5461060" y="3103675"/>
+            <a:ext cx="288000" cy="288000"/>
+          </a:xfrm>
+          <a:prstGeom prst="ellipse">
+            <a:avLst/>
+          </a:prstGeom>
+          <a:solidFill>
+            <a:schemeClr val="bg1"/>
+          </a:solidFill>
+          <a:ln w="19050">
+            <a:solidFill>
+              <a:srgbClr val="C00000"/>
+            </a:solidFill>
+          </a:ln>
+        </p:spPr>
+        <p:style>
+          <a:lnRef idx="2">
+            <a:schemeClr val="accent1">
+              <a:shade val="50000"/>
+            </a:schemeClr>
+          </a:lnRef>
+          <a:fillRef idx="1">
+            <a:schemeClr val="accent1"/>
+          </a:fillRef>
+          <a:effectRef idx="0">
+            <a:schemeClr val="accent1"/>
+          </a:effectRef>
+          <a:fontRef idx="minor">
+            <a:schemeClr val="lt1"/>
+          </a:fontRef>
+        </p:style>
+        <p:txBody>
+          <a:bodyPr rtlCol="0" anchor="ctr"/>
+          <a:lstStyle/>
+          <a:p>
+            <a:pPr algn="ctr"/>
+            <a:r>
+              <a:rPr lang="de-DE" dirty="0">
+                <a:solidFill>
+                  <a:srgbClr val="C00000"/>
+                </a:solidFill>
+              </a:rPr>
+              <a:t>2</a:t>
+            </a:r>
+          </a:p>
+        </p:txBody>
+      </p:sp>
+      <p:sp>
+        <p:nvSpPr>
+          <p:cNvPr id="8" name="Ellipse 7">
+            <a:extLst>
+              <a:ext uri="{FF2B5EF4-FFF2-40B4-BE49-F238E27FC236}">
+                <a16:creationId xmlns:a16="http://schemas.microsoft.com/office/drawing/2014/main" id="{4E4244D5-6E69-EF85-9CB2-A15F9615FFA4}"/>
+              </a:ext>
+            </a:extLst>
+          </p:cNvPr>
+          <p:cNvSpPr/>
+          <p:nvPr/>
+        </p:nvSpPr>
+        <p:spPr>
+          <a:xfrm>
+            <a:off x="8868424" y="3103675"/>
+            <a:ext cx="288000" cy="288000"/>
+          </a:xfrm>
+          <a:prstGeom prst="ellipse">
+            <a:avLst/>
+          </a:prstGeom>
+          <a:solidFill>
+            <a:schemeClr val="bg1"/>
+          </a:solidFill>
+          <a:ln w="19050">
+            <a:solidFill>
+              <a:srgbClr val="C00000"/>
+            </a:solidFill>
+          </a:ln>
+        </p:spPr>
+        <p:style>
+          <a:lnRef idx="2">
+            <a:schemeClr val="accent1">
+              <a:shade val="50000"/>
+            </a:schemeClr>
+          </a:lnRef>
+          <a:fillRef idx="1">
+            <a:schemeClr val="accent1"/>
+          </a:fillRef>
+          <a:effectRef idx="0">
+            <a:schemeClr val="accent1"/>
+          </a:effectRef>
+          <a:fontRef idx="minor">
+            <a:schemeClr val="lt1"/>
+          </a:fontRef>
+        </p:style>
+        <p:txBody>
+          <a:bodyPr rtlCol="0" anchor="ctr"/>
+          <a:lstStyle/>
+          <a:p>
+            <a:pPr algn="ctr"/>
+            <a:r>
+              <a:rPr lang="de-DE" dirty="0">
+                <a:solidFill>
+                  <a:srgbClr val="C00000"/>
+                </a:solidFill>
+              </a:rPr>
+              <a:t>3</a:t>
+            </a:r>
+          </a:p>
+        </p:txBody>
+      </p:sp>
+    </p:spTree>
+    <p:extLst>
+      <p:ext uri="{BB962C8B-B14F-4D97-AF65-F5344CB8AC3E}">
+        <p14:creationId xmlns:p14="http://schemas.microsoft.com/office/powerpoint/2010/main" val="3329447277"/>
+      </p:ext>
+    </p:extLst>
+  </p:cSld>
+  <p:clrMapOvr>
+    <a:masterClrMapping/>
+  </p:clrMapOvr>
+</p:sld>
+</file>
+
+<file path=ppt/slides/slide7.xml><?xml version="1.0" encoding="utf-8"?>
+<p:sld xmlns:a="http://schemas.openxmlformats.org/drawingml/2006/main" xmlns:r="http://schemas.openxmlformats.org/officeDocument/2006/relationships" xmlns:p="http://schemas.openxmlformats.org/presentationml/2006/main">
+  <p:cSld>
+    <p:spTree>
+      <p:nvGrpSpPr>
+        <p:cNvPr id="1" name=""/>
+        <p:cNvGrpSpPr/>
+        <p:nvPr/>
+      </p:nvGrpSpPr>
+      <p:grpSpPr>
+        <a:xfrm>
+          <a:off x="0" y="0"/>
+          <a:ext cx="0" cy="0"/>
+          <a:chOff x="0" y="0"/>
+          <a:chExt cx="0" cy="0"/>
+        </a:xfrm>
+      </p:grpSpPr>
+      <p:pic>
+        <p:nvPicPr>
+          <p:cNvPr id="5" name="Grafik 4">
+            <a:extLst>
+              <a:ext uri="{FF2B5EF4-FFF2-40B4-BE49-F238E27FC236}">
+                <a16:creationId xmlns:a16="http://schemas.microsoft.com/office/drawing/2014/main" id="{337886A7-98D4-F779-0D70-6EF548947C74}"/>
+              </a:ext>
+            </a:extLst>
+          </p:cNvPr>
+          <p:cNvPicPr>
+            <a:picLocks noChangeAspect="1"/>
+          </p:cNvPicPr>
+          <p:nvPr/>
+        </p:nvPicPr>
+        <p:blipFill>
+          <a:blip r:embed="rId2">
+            <a:extLst>
+              <a:ext uri="{28A0092B-C50C-407E-A947-70E740481C1C}">
+                <a14:useLocalDpi xmlns:a14="http://schemas.microsoft.com/office/drawing/2010/main" val="0"/>
+              </a:ext>
+            </a:extLst>
+          </a:blip>
+          <a:stretch>
+            <a:fillRect/>
+          </a:stretch>
+        </p:blipFill>
+        <p:spPr>
+          <a:xfrm>
+            <a:off x="0" y="187831"/>
+            <a:ext cx="12192000" cy="6482338"/>
+          </a:xfrm>
+          <a:prstGeom prst="rect">
+            <a:avLst/>
+          </a:prstGeom>
+        </p:spPr>
+      </p:pic>
+      <p:sp>
+        <p:nvSpPr>
+          <p:cNvPr id="6" name="Pfeil: nach unten 5">
+            <a:extLst>
+              <a:ext uri="{FF2B5EF4-FFF2-40B4-BE49-F238E27FC236}">
+                <a16:creationId xmlns:a16="http://schemas.microsoft.com/office/drawing/2014/main" id="{677841FF-1D6E-6C95-1D31-105080B60ADC}"/>
+              </a:ext>
+            </a:extLst>
+          </p:cNvPr>
+          <p:cNvSpPr/>
+          <p:nvPr/>
+        </p:nvSpPr>
+        <p:spPr>
+          <a:xfrm rot="5400000">
+            <a:off x="1176291" y="4753992"/>
+            <a:ext cx="276895" cy="424441"/>
+          </a:xfrm>
+          <a:prstGeom prst="downArrow">
+            <a:avLst/>
+          </a:prstGeom>
+          <a:solidFill>
+            <a:schemeClr val="bg1"/>
+          </a:solidFill>
+          <a:ln w="19050">
+            <a:solidFill>
+              <a:srgbClr val="C00000"/>
+            </a:solidFill>
+          </a:ln>
+        </p:spPr>
+        <p:style>
+          <a:lnRef idx="2">
+            <a:schemeClr val="accent1">
+              <a:shade val="50000"/>
+            </a:schemeClr>
+          </a:lnRef>
+          <a:fillRef idx="1">
+            <a:schemeClr val="accent1"/>
+          </a:fillRef>
+          <a:effectRef idx="0">
+            <a:schemeClr val="accent1"/>
+          </a:effectRef>
+          <a:fontRef idx="minor">
+            <a:schemeClr val="lt1"/>
+          </a:fontRef>
+        </p:style>
+        <p:txBody>
+          <a:bodyPr rtlCol="0" anchor="ctr"/>
+          <a:lstStyle/>
+          <a:p>
+            <a:pPr algn="ctr"/>
+            <a:endParaRPr lang="de-DE">
+              <a:solidFill>
+                <a:srgbClr val="C00000"/>
+              </a:solidFill>
+            </a:endParaRPr>
+          </a:p>
+        </p:txBody>
+      </p:sp>
+      <p:sp>
+        <p:nvSpPr>
+          <p:cNvPr id="7" name="Pfeil: nach unten 6">
+            <a:extLst>
+              <a:ext uri="{FF2B5EF4-FFF2-40B4-BE49-F238E27FC236}">
+                <a16:creationId xmlns:a16="http://schemas.microsoft.com/office/drawing/2014/main" id="{316B7CBA-C776-3F8D-B9F0-4F327521F4FA}"/>
+              </a:ext>
+            </a:extLst>
+          </p:cNvPr>
+          <p:cNvSpPr/>
+          <p:nvPr/>
+        </p:nvSpPr>
+        <p:spPr>
+          <a:xfrm rot="5400000">
+            <a:off x="11449235" y="4169545"/>
+            <a:ext cx="276895" cy="424441"/>
+          </a:xfrm>
+          <a:prstGeom prst="downArrow">
+            <a:avLst/>
+          </a:prstGeom>
+          <a:solidFill>
+            <a:schemeClr val="bg1"/>
+          </a:solidFill>
+          <a:ln w="19050">
+            <a:solidFill>
+              <a:srgbClr val="C00000"/>
+            </a:solidFill>
+          </a:ln>
+        </p:spPr>
+        <p:style>
+          <a:lnRef idx="2">
+            <a:schemeClr val="accent1">
+              <a:shade val="50000"/>
+            </a:schemeClr>
+          </a:lnRef>
+          <a:fillRef idx="1">
+            <a:schemeClr val="accent1"/>
+          </a:fillRef>
+          <a:effectRef idx="0">
+            <a:schemeClr val="accent1"/>
+          </a:effectRef>
+          <a:fontRef idx="minor">
+            <a:schemeClr val="lt1"/>
+          </a:fontRef>
+        </p:style>
+        <p:txBody>
+          <a:bodyPr rtlCol="0" anchor="ctr"/>
+          <a:lstStyle/>
+          <a:p>
+            <a:pPr algn="ctr"/>
+            <a:endParaRPr lang="de-DE">
+              <a:solidFill>
+                <a:srgbClr val="C00000"/>
+              </a:solidFill>
+            </a:endParaRPr>
+          </a:p>
+        </p:txBody>
+      </p:sp>
+      <p:sp>
+        <p:nvSpPr>
+          <p:cNvPr id="8" name="Pfeil: nach unten 7">
+            <a:extLst>
+              <a:ext uri="{FF2B5EF4-FFF2-40B4-BE49-F238E27FC236}">
+                <a16:creationId xmlns:a16="http://schemas.microsoft.com/office/drawing/2014/main" id="{DEECCEBB-76D2-EDAD-7BD4-05B56A207D9F}"/>
+              </a:ext>
+            </a:extLst>
+          </p:cNvPr>
+          <p:cNvSpPr/>
+          <p:nvPr/>
+        </p:nvSpPr>
+        <p:spPr>
+          <a:xfrm rot="5400000">
+            <a:off x="12053552" y="6276591"/>
+            <a:ext cx="276895" cy="424441"/>
+          </a:xfrm>
+          <a:prstGeom prst="downArrow">
+            <a:avLst/>
+          </a:prstGeom>
+          <a:solidFill>
+            <a:schemeClr val="bg1"/>
+          </a:solidFill>
+          <a:ln w="19050">
+            <a:solidFill>
+              <a:srgbClr val="C00000"/>
+            </a:solidFill>
+          </a:ln>
+        </p:spPr>
+        <p:style>
+          <a:lnRef idx="2">
+            <a:schemeClr val="accent1">
+              <a:shade val="50000"/>
+            </a:schemeClr>
+          </a:lnRef>
+          <a:fillRef idx="1">
+            <a:schemeClr val="accent1"/>
+          </a:fillRef>
+          <a:effectRef idx="0">
+            <a:schemeClr val="accent1"/>
+          </a:effectRef>
+          <a:fontRef idx="minor">
+            <a:schemeClr val="lt1"/>
+          </a:fontRef>
+        </p:style>
+        <p:txBody>
+          <a:bodyPr rtlCol="0" anchor="ctr"/>
+          <a:lstStyle/>
+          <a:p>
+            <a:pPr algn="ctr"/>
+            <a:endParaRPr lang="de-DE">
+              <a:solidFill>
+                <a:srgbClr val="C00000"/>
+              </a:solidFill>
+            </a:endParaRPr>
+          </a:p>
+        </p:txBody>
+      </p:sp>
+    </p:spTree>
+    <p:extLst>
+      <p:ext uri="{BB962C8B-B14F-4D97-AF65-F5344CB8AC3E}">
+        <p14:creationId xmlns:p14="http://schemas.microsoft.com/office/powerpoint/2010/main" val="4136023612"/>
+      </p:ext>
+    </p:extLst>
+  </p:cSld>
+  <p:clrMapOvr>
+    <a:masterClrMapping/>
+  </p:clrMapOvr>
+</p:sld>
+</file>
+
 <file path=ppt/theme/theme1.xml><?xml version="1.0" encoding="utf-8"?>
 <a:theme xmlns:a="http://schemas.openxmlformats.org/drawingml/2006/main" name="Office">
   <a:themeElements>
